--- a/Project/Ideas about the project.pptx
+++ b/Project/Ideas about the project.pptx
@@ -5,11 +5,14 @@
     <p:sldMasterId id="2147483660" r:id="rId1"/>
   </p:sldMasterIdLst>
   <p:sldIdLst>
-    <p:sldId id="261" r:id="rId2"/>
-    <p:sldId id="256" r:id="rId3"/>
-    <p:sldId id="262" r:id="rId4"/>
-    <p:sldId id="263" r:id="rId5"/>
-    <p:sldId id="264" r:id="rId6"/>
+    <p:sldId id="266" r:id="rId2"/>
+    <p:sldId id="261" r:id="rId3"/>
+    <p:sldId id="267" r:id="rId4"/>
+    <p:sldId id="256" r:id="rId5"/>
+    <p:sldId id="262" r:id="rId6"/>
+    <p:sldId id="263" r:id="rId7"/>
+    <p:sldId id="264" r:id="rId8"/>
+    <p:sldId id="268" r:id="rId9"/>
   </p:sldIdLst>
   <p:sldSz cx="12192000" cy="6858000"/>
   <p:notesSz cx="6858000" cy="9144000"/>
@@ -108,6 +111,11 @@
       </a:defRPr>
     </a:lvl9pPr>
   </p:defaultTextStyle>
+  <p:extLst>
+    <p:ext uri="{EFAFB233-063F-42B5-8137-9DF3F51BA10A}">
+      <p15:sldGuideLst xmlns:p15="http://schemas.microsoft.com/office/powerpoint/2012/main"/>
+    </p:ext>
+  </p:extLst>
 </p:presentation>
 </file>
 
@@ -442,7 +450,7 @@
           <a:p>
             <a:fld id="{F45F126A-B7DD-48CD-AD6A-6697481F7638}" type="datetimeFigureOut">
               <a:rPr lang="en-US" smtClean="0"/>
-              <a:t>1/4/2021</a:t>
+              <a:t>1/5/2021</a:t>
             </a:fld>
             <a:endParaRPr lang="en-US"/>
           </a:p>
@@ -766,7 +774,7 @@
           <a:p>
             <a:fld id="{F45F126A-B7DD-48CD-AD6A-6697481F7638}" type="datetimeFigureOut">
               <a:rPr lang="en-US" smtClean="0"/>
-              <a:t>1/4/2021</a:t>
+              <a:t>1/5/2021</a:t>
             </a:fld>
             <a:endParaRPr lang="en-US"/>
           </a:p>
@@ -1014,7 +1022,7 @@
           <a:p>
             <a:fld id="{F45F126A-B7DD-48CD-AD6A-6697481F7638}" type="datetimeFigureOut">
               <a:rPr lang="en-US" smtClean="0"/>
-              <a:t>1/4/2021</a:t>
+              <a:t>1/5/2021</a:t>
             </a:fld>
             <a:endParaRPr lang="en-US"/>
           </a:p>
@@ -1353,7 +1361,7 @@
           <a:p>
             <a:fld id="{F45F126A-B7DD-48CD-AD6A-6697481F7638}" type="datetimeFigureOut">
               <a:rPr lang="en-US" smtClean="0"/>
-              <a:t>1/4/2021</a:t>
+              <a:t>1/5/2021</a:t>
             </a:fld>
             <a:endParaRPr lang="en-US"/>
           </a:p>
@@ -1700,7 +1708,7 @@
           <a:p>
             <a:fld id="{F45F126A-B7DD-48CD-AD6A-6697481F7638}" type="datetimeFigureOut">
               <a:rPr lang="en-US" smtClean="0"/>
-              <a:t>1/4/2021</a:t>
+              <a:t>1/5/2021</a:t>
             </a:fld>
             <a:endParaRPr lang="en-US"/>
           </a:p>
@@ -2074,7 +2082,7 @@
           <a:p>
             <a:fld id="{F45F126A-B7DD-48CD-AD6A-6697481F7638}" type="datetimeFigureOut">
               <a:rPr lang="en-US" smtClean="0"/>
-              <a:t>1/4/2021</a:t>
+              <a:t>1/5/2021</a:t>
             </a:fld>
             <a:endParaRPr lang="en-US"/>
           </a:p>
@@ -2544,7 +2552,7 @@
           <a:p>
             <a:fld id="{F45F126A-B7DD-48CD-AD6A-6697481F7638}" type="datetimeFigureOut">
               <a:rPr lang="en-US" smtClean="0"/>
-              <a:t>1/4/2021</a:t>
+              <a:t>1/5/2021</a:t>
             </a:fld>
             <a:endParaRPr lang="en-US"/>
           </a:p>
@@ -2749,7 +2757,7 @@
           <a:p>
             <a:fld id="{F45F126A-B7DD-48CD-AD6A-6697481F7638}" type="datetimeFigureOut">
               <a:rPr lang="en-US" smtClean="0"/>
-              <a:t>1/4/2021</a:t>
+              <a:t>1/5/2021</a:t>
             </a:fld>
             <a:endParaRPr lang="en-US"/>
           </a:p>
@@ -2960,7 +2968,7 @@
           <a:p>
             <a:fld id="{F45F126A-B7DD-48CD-AD6A-6697481F7638}" type="datetimeFigureOut">
               <a:rPr lang="en-US" smtClean="0"/>
-              <a:t>1/4/2021</a:t>
+              <a:t>1/5/2021</a:t>
             </a:fld>
             <a:endParaRPr lang="en-US"/>
           </a:p>
@@ -3192,7 +3200,7 @@
           <a:p>
             <a:fld id="{F45F126A-B7DD-48CD-AD6A-6697481F7638}" type="datetimeFigureOut">
               <a:rPr lang="en-US" smtClean="0"/>
-              <a:t>1/4/2021</a:t>
+              <a:t>1/5/2021</a:t>
             </a:fld>
             <a:endParaRPr lang="en-US"/>
           </a:p>
@@ -3440,7 +3448,7 @@
           <a:p>
             <a:fld id="{F45F126A-B7DD-48CD-AD6A-6697481F7638}" type="datetimeFigureOut">
               <a:rPr lang="en-US" smtClean="0"/>
-              <a:t>1/4/2021</a:t>
+              <a:t>1/5/2021</a:t>
             </a:fld>
             <a:endParaRPr lang="en-US"/>
           </a:p>
@@ -3738,7 +3746,7 @@
           <a:p>
             <a:fld id="{F45F126A-B7DD-48CD-AD6A-6697481F7638}" type="datetimeFigureOut">
               <a:rPr lang="en-US" smtClean="0"/>
-              <a:t>1/4/2021</a:t>
+              <a:t>1/5/2021</a:t>
             </a:fld>
             <a:endParaRPr lang="en-US"/>
           </a:p>
@@ -4132,7 +4140,7 @@
           <a:p>
             <a:fld id="{F45F126A-B7DD-48CD-AD6A-6697481F7638}" type="datetimeFigureOut">
               <a:rPr lang="en-US" smtClean="0"/>
-              <a:t>1/4/2021</a:t>
+              <a:t>1/5/2021</a:t>
             </a:fld>
             <a:endParaRPr lang="en-US"/>
           </a:p>
@@ -4281,7 +4289,7 @@
           <a:p>
             <a:fld id="{F45F126A-B7DD-48CD-AD6A-6697481F7638}" type="datetimeFigureOut">
               <a:rPr lang="en-US" smtClean="0"/>
-              <a:t>1/4/2021</a:t>
+              <a:t>1/5/2021</a:t>
             </a:fld>
             <a:endParaRPr lang="en-US"/>
           </a:p>
@@ -4407,7 +4415,7 @@
           <a:p>
             <a:fld id="{F45F126A-B7DD-48CD-AD6A-6697481F7638}" type="datetimeFigureOut">
               <a:rPr lang="en-US" smtClean="0"/>
-              <a:t>1/4/2021</a:t>
+              <a:t>1/5/2021</a:t>
             </a:fld>
             <a:endParaRPr lang="en-US"/>
           </a:p>
@@ -4662,7 +4670,7 @@
           <a:p>
             <a:fld id="{F45F126A-B7DD-48CD-AD6A-6697481F7638}" type="datetimeFigureOut">
               <a:rPr lang="en-US" smtClean="0"/>
-              <a:t>1/4/2021</a:t>
+              <a:t>1/5/2021</a:t>
             </a:fld>
             <a:endParaRPr lang="en-US"/>
           </a:p>
@@ -4977,7 +4985,7 @@
           <a:p>
             <a:fld id="{F45F126A-B7DD-48CD-AD6A-6697481F7638}" type="datetimeFigureOut">
               <a:rPr lang="en-US" smtClean="0"/>
-              <a:t>1/4/2021</a:t>
+              <a:t>1/5/2021</a:t>
             </a:fld>
             <a:endParaRPr lang="en-US"/>
           </a:p>
@@ -5328,7 +5336,7 @@
           <a:p>
             <a:fld id="{F45F126A-B7DD-48CD-AD6A-6697481F7638}" type="datetimeFigureOut">
               <a:rPr lang="en-US" smtClean="0"/>
-              <a:t>1/4/2021</a:t>
+              <a:t>1/5/2021</a:t>
             </a:fld>
             <a:endParaRPr lang="en-US"/>
           </a:p>
@@ -5876,6 +5884,128 @@
           <p:cNvPr id="2" name="Title 1">
             <a:extLst>
               <a:ext uri="{FF2B5EF4-FFF2-40B4-BE49-F238E27FC236}">
+                <a16:creationId xmlns:a16="http://schemas.microsoft.com/office/drawing/2014/main" id="{A88DF963-E65A-44B3-9AB7-A2403B8E275B}"/>
+              </a:ext>
+            </a:extLst>
+          </p:cNvPr>
+          <p:cNvSpPr>
+            <a:spLocks noGrp="1"/>
+          </p:cNvSpPr>
+          <p:nvPr>
+            <p:ph type="title"/>
+          </p:nvPr>
+        </p:nvSpPr>
+        <p:spPr/>
+        <p:txBody>
+          <a:bodyPr/>
+          <a:lstStyle/>
+          <a:p>
+            <a:r>
+              <a:rPr lang="en-US" dirty="0"/>
+              <a:t>Student Test</a:t>
+            </a:r>
+          </a:p>
+        </p:txBody>
+      </p:sp>
+      <p:sp>
+        <p:nvSpPr>
+          <p:cNvPr id="3" name="Content Placeholder 2">
+            <a:extLst>
+              <a:ext uri="{FF2B5EF4-FFF2-40B4-BE49-F238E27FC236}">
+                <a16:creationId xmlns:a16="http://schemas.microsoft.com/office/drawing/2014/main" id="{E47B2C1D-9AC5-46D7-BBF3-D88E9B83A5C3}"/>
+              </a:ext>
+            </a:extLst>
+          </p:cNvPr>
+          <p:cNvSpPr>
+            <a:spLocks noGrp="1"/>
+          </p:cNvSpPr>
+          <p:nvPr>
+            <p:ph idx="1"/>
+          </p:nvPr>
+        </p:nvSpPr>
+        <p:spPr/>
+        <p:txBody>
+          <a:bodyPr/>
+          <a:lstStyle/>
+          <a:p>
+            <a:endParaRPr lang="en-US" dirty="0"/>
+          </a:p>
+          <a:p>
+            <a:pPr marL="0" indent="0">
+              <a:buNone/>
+            </a:pPr>
+            <a:endParaRPr lang="en-US" dirty="0"/>
+          </a:p>
+          <a:p>
+            <a:pPr marL="0" indent="0">
+              <a:buNone/>
+            </a:pPr>
+            <a:endParaRPr lang="en-US" dirty="0"/>
+          </a:p>
+          <a:p>
+            <a:pPr marL="0" indent="0">
+              <a:buNone/>
+            </a:pPr>
+            <a:r>
+              <a:rPr lang="en-US" dirty="0"/>
+              <a:t>By:</a:t>
+            </a:r>
+          </a:p>
+          <a:p>
+            <a:pPr marL="0" indent="0">
+              <a:buNone/>
+            </a:pPr>
+            <a:r>
+              <a:rPr lang="en-US" dirty="0"/>
+              <a:t>JAY BHATTARAI(1BM19IS198)</a:t>
+            </a:r>
+          </a:p>
+          <a:p>
+            <a:pPr marL="0" indent="0">
+              <a:buNone/>
+            </a:pPr>
+            <a:r>
+              <a:rPr lang="en-US" dirty="0"/>
+              <a:t>SACHIN MADHESIYA(1BM19IS206)</a:t>
+            </a:r>
+          </a:p>
+        </p:txBody>
+      </p:sp>
+    </p:spTree>
+    <p:extLst>
+      <p:ext uri="{BB962C8B-B14F-4D97-AF65-F5344CB8AC3E}">
+        <p14:creationId xmlns:p14="http://schemas.microsoft.com/office/powerpoint/2010/main" val="1820202106"/>
+      </p:ext>
+    </p:extLst>
+  </p:cSld>
+  <p:clrMapOvr>
+    <a:masterClrMapping/>
+  </p:clrMapOvr>
+</p:sld>
+</file>
+
+<file path=ppt/slides/slide2.xml><?xml version="1.0" encoding="utf-8"?>
+<p:sld xmlns:a="http://schemas.openxmlformats.org/drawingml/2006/main" xmlns:r="http://schemas.openxmlformats.org/officeDocument/2006/relationships" xmlns:p="http://schemas.openxmlformats.org/presentationml/2006/main">
+  <p:cSld>
+    <p:spTree>
+      <p:nvGrpSpPr>
+        <p:cNvPr id="1" name=""/>
+        <p:cNvGrpSpPr/>
+        <p:nvPr/>
+      </p:nvGrpSpPr>
+      <p:grpSpPr>
+        <a:xfrm>
+          <a:off x="0" y="0"/>
+          <a:ext cx="0" cy="0"/>
+          <a:chOff x="0" y="0"/>
+          <a:chExt cx="0" cy="0"/>
+        </a:xfrm>
+      </p:grpSpPr>
+      <p:sp>
+        <p:nvSpPr>
+          <p:cNvPr id="2" name="Title 1">
+            <a:extLst>
+              <a:ext uri="{FF2B5EF4-FFF2-40B4-BE49-F238E27FC236}">
                 <a16:creationId xmlns:a16="http://schemas.microsoft.com/office/drawing/2014/main" id="{3D0D41C4-ED38-4A54-8382-BBE67F1DE5BE}"/>
               </a:ext>
             </a:extLst>
@@ -5980,7 +6110,255 @@
 </p:sld>
 </file>
 
-<file path=ppt/slides/slide2.xml><?xml version="1.0" encoding="utf-8"?>
+<file path=ppt/slides/slide3.xml><?xml version="1.0" encoding="utf-8"?>
+<p:sld xmlns:a="http://schemas.openxmlformats.org/drawingml/2006/main" xmlns:r="http://schemas.openxmlformats.org/officeDocument/2006/relationships" xmlns:p="http://schemas.openxmlformats.org/presentationml/2006/main">
+  <p:cSld>
+    <p:spTree>
+      <p:nvGrpSpPr>
+        <p:cNvPr id="1" name=""/>
+        <p:cNvGrpSpPr/>
+        <p:nvPr/>
+      </p:nvGrpSpPr>
+      <p:grpSpPr>
+        <a:xfrm>
+          <a:off x="0" y="0"/>
+          <a:ext cx="0" cy="0"/>
+          <a:chOff x="0" y="0"/>
+          <a:chExt cx="0" cy="0"/>
+        </a:xfrm>
+      </p:grpSpPr>
+      <p:sp>
+        <p:nvSpPr>
+          <p:cNvPr id="2" name="Title 1">
+            <a:extLst>
+              <a:ext uri="{FF2B5EF4-FFF2-40B4-BE49-F238E27FC236}">
+                <a16:creationId xmlns:a16="http://schemas.microsoft.com/office/drawing/2014/main" id="{7580A538-E519-4E4F-B5D8-9DCE3C585484}"/>
+              </a:ext>
+            </a:extLst>
+          </p:cNvPr>
+          <p:cNvSpPr>
+            <a:spLocks noGrp="1"/>
+          </p:cNvSpPr>
+          <p:nvPr>
+            <p:ph type="title"/>
+          </p:nvPr>
+        </p:nvSpPr>
+        <p:spPr/>
+        <p:txBody>
+          <a:bodyPr/>
+          <a:lstStyle/>
+          <a:p>
+            <a:r>
+              <a:rPr lang="en-US" dirty="0"/>
+              <a:t>Student</a:t>
+            </a:r>
+          </a:p>
+        </p:txBody>
+      </p:sp>
+      <p:sp>
+        <p:nvSpPr>
+          <p:cNvPr id="7" name="Rectangle 6">
+            <a:extLst>
+              <a:ext uri="{FF2B5EF4-FFF2-40B4-BE49-F238E27FC236}">
+                <a16:creationId xmlns:a16="http://schemas.microsoft.com/office/drawing/2014/main" id="{D465C9D8-6ECB-4B35-BFF4-B36582BF327E}"/>
+              </a:ext>
+            </a:extLst>
+          </p:cNvPr>
+          <p:cNvSpPr/>
+          <p:nvPr/>
+        </p:nvSpPr>
+        <p:spPr>
+          <a:xfrm>
+            <a:off x="1764406" y="3052293"/>
+            <a:ext cx="2949262" cy="1094704"/>
+          </a:xfrm>
+          <a:prstGeom prst="rect">
+            <a:avLst/>
+          </a:prstGeom>
+          <a:noFill/>
+        </p:spPr>
+        <p:style>
+          <a:lnRef idx="2">
+            <a:schemeClr val="accent1">
+              <a:shade val="50000"/>
+            </a:schemeClr>
+          </a:lnRef>
+          <a:fillRef idx="1">
+            <a:schemeClr val="accent1"/>
+          </a:fillRef>
+          <a:effectRef idx="0">
+            <a:schemeClr val="accent1"/>
+          </a:effectRef>
+          <a:fontRef idx="minor">
+            <a:schemeClr val="lt1"/>
+          </a:fontRef>
+        </p:style>
+        <p:txBody>
+          <a:bodyPr rtlCol="0" anchor="ctr"/>
+          <a:lstStyle/>
+          <a:p>
+            <a:pPr algn="ctr"/>
+            <a:r>
+              <a:rPr lang="en-US" sz="3600" dirty="0" err="1">
+                <a:solidFill>
+                  <a:schemeClr val="tx1"/>
+                </a:solidFill>
+              </a:rPr>
+              <a:t>quizStudent</a:t>
+            </a:r>
+            <a:endParaRPr lang="en-US" dirty="0">
+              <a:solidFill>
+                <a:schemeClr val="tx1"/>
+              </a:solidFill>
+            </a:endParaRPr>
+          </a:p>
+        </p:txBody>
+      </p:sp>
+      <p:sp>
+        <p:nvSpPr>
+          <p:cNvPr id="8" name="Rectangle 7">
+            <a:extLst>
+              <a:ext uri="{FF2B5EF4-FFF2-40B4-BE49-F238E27FC236}">
+                <a16:creationId xmlns:a16="http://schemas.microsoft.com/office/drawing/2014/main" id="{4C521834-518B-4422-A3C3-83AEBA562BE5}"/>
+              </a:ext>
+            </a:extLst>
+          </p:cNvPr>
+          <p:cNvSpPr/>
+          <p:nvPr/>
+        </p:nvSpPr>
+        <p:spPr>
+          <a:xfrm>
+            <a:off x="7031865" y="3052293"/>
+            <a:ext cx="3631842" cy="1094704"/>
+          </a:xfrm>
+          <a:prstGeom prst="rect">
+            <a:avLst/>
+          </a:prstGeom>
+          <a:noFill/>
+        </p:spPr>
+        <p:style>
+          <a:lnRef idx="2">
+            <a:schemeClr val="accent1">
+              <a:shade val="50000"/>
+            </a:schemeClr>
+          </a:lnRef>
+          <a:fillRef idx="1">
+            <a:schemeClr val="accent1"/>
+          </a:fillRef>
+          <a:effectRef idx="0">
+            <a:schemeClr val="accent1"/>
+          </a:effectRef>
+          <a:fontRef idx="minor">
+            <a:schemeClr val="lt1"/>
+          </a:fontRef>
+        </p:style>
+        <p:txBody>
+          <a:bodyPr rtlCol="0" anchor="ctr"/>
+          <a:lstStyle/>
+          <a:p>
+            <a:pPr algn="ctr"/>
+            <a:r>
+              <a:rPr lang="en-US" sz="2400" dirty="0" err="1">
+                <a:solidFill>
+                  <a:schemeClr val="tx1"/>
+                </a:solidFill>
+              </a:rPr>
+              <a:t>fillInTheBlanksStudent</a:t>
+            </a:r>
+            <a:endParaRPr lang="en-US" sz="2400" dirty="0">
+              <a:solidFill>
+                <a:schemeClr val="tx1"/>
+              </a:solidFill>
+            </a:endParaRPr>
+          </a:p>
+        </p:txBody>
+      </p:sp>
+      <p:cxnSp>
+        <p:nvCxnSpPr>
+          <p:cNvPr id="10" name="Straight Connector 9">
+            <a:extLst>
+              <a:ext uri="{FF2B5EF4-FFF2-40B4-BE49-F238E27FC236}">
+                <a16:creationId xmlns:a16="http://schemas.microsoft.com/office/drawing/2014/main" id="{7138F693-7514-4941-819D-FDB5B4C2462F}"/>
+              </a:ext>
+            </a:extLst>
+          </p:cNvPr>
+          <p:cNvCxnSpPr/>
+          <p:nvPr/>
+        </p:nvCxnSpPr>
+        <p:spPr>
+          <a:xfrm flipV="1">
+            <a:off x="4185634" y="2137893"/>
+            <a:ext cx="1249251" cy="682580"/>
+          </a:xfrm>
+          <a:prstGeom prst="line">
+            <a:avLst/>
+          </a:prstGeom>
+        </p:spPr>
+        <p:style>
+          <a:lnRef idx="1">
+            <a:schemeClr val="accent1"/>
+          </a:lnRef>
+          <a:fillRef idx="0">
+            <a:schemeClr val="accent1"/>
+          </a:fillRef>
+          <a:effectRef idx="0">
+            <a:schemeClr val="accent1"/>
+          </a:effectRef>
+          <a:fontRef idx="minor">
+            <a:schemeClr val="tx1"/>
+          </a:fontRef>
+        </p:style>
+      </p:cxnSp>
+      <p:cxnSp>
+        <p:nvCxnSpPr>
+          <p:cNvPr id="12" name="Straight Connector 11">
+            <a:extLst>
+              <a:ext uri="{FF2B5EF4-FFF2-40B4-BE49-F238E27FC236}">
+                <a16:creationId xmlns:a16="http://schemas.microsoft.com/office/drawing/2014/main" id="{81E16C32-37B3-44AB-9682-43498162E5B4}"/>
+              </a:ext>
+            </a:extLst>
+          </p:cNvPr>
+          <p:cNvCxnSpPr/>
+          <p:nvPr/>
+        </p:nvCxnSpPr>
+        <p:spPr>
+          <a:xfrm>
+            <a:off x="6928834" y="2137893"/>
+            <a:ext cx="927279" cy="682580"/>
+          </a:xfrm>
+          <a:prstGeom prst="line">
+            <a:avLst/>
+          </a:prstGeom>
+        </p:spPr>
+        <p:style>
+          <a:lnRef idx="1">
+            <a:schemeClr val="accent1"/>
+          </a:lnRef>
+          <a:fillRef idx="0">
+            <a:schemeClr val="accent1"/>
+          </a:fillRef>
+          <a:effectRef idx="0">
+            <a:schemeClr val="accent1"/>
+          </a:effectRef>
+          <a:fontRef idx="minor">
+            <a:schemeClr val="tx1"/>
+          </a:fontRef>
+        </p:style>
+      </p:cxnSp>
+    </p:spTree>
+    <p:extLst>
+      <p:ext uri="{BB962C8B-B14F-4D97-AF65-F5344CB8AC3E}">
+        <p14:creationId xmlns:p14="http://schemas.microsoft.com/office/powerpoint/2010/main" val="2650052767"/>
+      </p:ext>
+    </p:extLst>
+  </p:cSld>
+  <p:clrMapOvr>
+    <a:masterClrMapping/>
+  </p:clrMapOvr>
+</p:sld>
+</file>
+
+<file path=ppt/slides/slide4.xml><?xml version="1.0" encoding="utf-8"?>
 <p:sld xmlns:a="http://schemas.openxmlformats.org/drawingml/2006/main" xmlns:r="http://schemas.openxmlformats.org/officeDocument/2006/relationships" xmlns:p="http://schemas.openxmlformats.org/presentationml/2006/main">
   <p:cSld>
     <p:bg>
@@ -6125,7 +6503,7 @@
 </p:sld>
 </file>
 
-<file path=ppt/slides/slide3.xml><?xml version="1.0" encoding="utf-8"?>
+<file path=ppt/slides/slide5.xml><?xml version="1.0" encoding="utf-8"?>
 <p:sld xmlns:a="http://schemas.openxmlformats.org/drawingml/2006/main" xmlns:r="http://schemas.openxmlformats.org/officeDocument/2006/relationships" xmlns:p="http://schemas.openxmlformats.org/presentationml/2006/main">
   <p:cSld>
     <p:spTree>
@@ -6189,7 +6567,7 @@
 </p:sld>
 </file>
 
-<file path=ppt/slides/slide4.xml><?xml version="1.0" encoding="utf-8"?>
+<file path=ppt/slides/slide6.xml><?xml version="1.0" encoding="utf-8"?>
 <p:sld xmlns:a="http://schemas.openxmlformats.org/drawingml/2006/main" xmlns:r="http://schemas.openxmlformats.org/officeDocument/2006/relationships" xmlns:p="http://schemas.openxmlformats.org/presentationml/2006/main">
   <p:cSld>
     <p:spTree>
@@ -6313,7 +6691,7 @@
 </p:sld>
 </file>
 
-<file path=ppt/slides/slide5.xml><?xml version="1.0" encoding="utf-8"?>
+<file path=ppt/slides/slide7.xml><?xml version="1.0" encoding="utf-8"?>
 <p:sld xmlns:a="http://schemas.openxmlformats.org/drawingml/2006/main" xmlns:r="http://schemas.openxmlformats.org/officeDocument/2006/relationships" xmlns:p="http://schemas.openxmlformats.org/presentationml/2006/main">
   <p:cSld>
     <p:spTree>
@@ -6404,6 +6782,69 @@
     <p:extLst>
       <p:ext uri="{BB962C8B-B14F-4D97-AF65-F5344CB8AC3E}">
         <p14:creationId xmlns:p14="http://schemas.microsoft.com/office/powerpoint/2010/main" val="584879962"/>
+      </p:ext>
+    </p:extLst>
+  </p:cSld>
+  <p:clrMapOvr>
+    <a:masterClrMapping/>
+  </p:clrMapOvr>
+</p:sld>
+</file>
+
+<file path=ppt/slides/slide8.xml><?xml version="1.0" encoding="utf-8"?>
+<p:sld xmlns:a="http://schemas.openxmlformats.org/drawingml/2006/main" xmlns:r="http://schemas.openxmlformats.org/officeDocument/2006/relationships" xmlns:p="http://schemas.openxmlformats.org/presentationml/2006/main">
+  <p:cSld>
+    <p:spTree>
+      <p:nvGrpSpPr>
+        <p:cNvPr id="1" name=""/>
+        <p:cNvGrpSpPr/>
+        <p:nvPr/>
+      </p:nvGrpSpPr>
+      <p:grpSpPr>
+        <a:xfrm>
+          <a:off x="0" y="0"/>
+          <a:ext cx="0" cy="0"/>
+          <a:chOff x="0" y="0"/>
+          <a:chExt cx="0" cy="0"/>
+        </a:xfrm>
+      </p:grpSpPr>
+      <p:sp>
+        <p:nvSpPr>
+          <p:cNvPr id="2" name="Title 1">
+            <a:extLst>
+              <a:ext uri="{FF2B5EF4-FFF2-40B4-BE49-F238E27FC236}">
+                <a16:creationId xmlns:a16="http://schemas.microsoft.com/office/drawing/2014/main" id="{A1F5FC4D-EB85-4FA3-8C7B-E3C850C53FDF}"/>
+              </a:ext>
+            </a:extLst>
+          </p:cNvPr>
+          <p:cNvSpPr>
+            <a:spLocks noGrp="1"/>
+          </p:cNvSpPr>
+          <p:nvPr>
+            <p:ph type="title"/>
+          </p:nvPr>
+        </p:nvSpPr>
+        <p:spPr>
+          <a:xfrm>
+            <a:off x="1462827" y="2777066"/>
+            <a:ext cx="9601196" cy="1303867"/>
+          </a:xfrm>
+        </p:spPr>
+        <p:txBody>
+          <a:bodyPr/>
+          <a:lstStyle/>
+          <a:p>
+            <a:r>
+              <a:rPr lang="en-US" dirty="0"/>
+              <a:t>Thank You</a:t>
+            </a:r>
+          </a:p>
+        </p:txBody>
+      </p:sp>
+    </p:spTree>
+    <p:extLst>
+      <p:ext uri="{BB962C8B-B14F-4D97-AF65-F5344CB8AC3E}">
+        <p14:creationId xmlns:p14="http://schemas.microsoft.com/office/powerpoint/2010/main" val="3566526932"/>
       </p:ext>
     </p:extLst>
   </p:cSld>
